--- a/16. DFD Essencial para cada Capacidade.pptx
+++ b/16. DFD Essencial para cada Capacidade.pptx
@@ -6,6 +6,7 @@
   </p:sldMasterIdLst>
   <p:sldIdLst>
     <p:sldId id="256" r:id="rId2"/>
+    <p:sldId id="257" r:id="rId3"/>
   </p:sldIdLst>
   <p:sldSz cx="12192000" cy="6858000"/>
   <p:notesSz cx="6858000" cy="9144000"/>
@@ -3356,54 +3357,146 @@
           <a:p>
             <a:r>
               <a:rPr lang="pt-BR" dirty="0"/>
-              <a:t>Efetuar a compra de um produto</a:t>
+              <a:t>Efetuar a venda de um produto</a:t>
             </a:r>
           </a:p>
         </p:txBody>
       </p:sp>
       <p:pic>
         <p:nvPicPr>
-          <p:cNvPr id="4" name="Imagem 3">
-            <a:extLst>
-              <a:ext uri="{FF2B5EF4-FFF2-40B4-BE49-F238E27FC236}">
-                <a16:creationId xmlns:a16="http://schemas.microsoft.com/office/drawing/2014/main" id="{69372E27-8F12-4959-990B-9355B8DF357E}"/>
-              </a:ext>
-            </a:extLst>
-          </p:cNvPr>
-          <p:cNvPicPr/>
+          <p:cNvPr id="5" name="Imagem 4" descr="Diagrama&#10;&#10;Descrição gerada automaticamente">
+            <a:extLst>
+              <a:ext uri="{FF2B5EF4-FFF2-40B4-BE49-F238E27FC236}">
+                <a16:creationId xmlns:a16="http://schemas.microsoft.com/office/drawing/2014/main" id="{488570B2-4259-471E-A501-31A819B6B5F9}"/>
+              </a:ext>
+            </a:extLst>
+          </p:cNvPr>
+          <p:cNvPicPr>
+            <a:picLocks noChangeAspect="1"/>
+          </p:cNvPicPr>
           <p:nvPr/>
         </p:nvPicPr>
         <p:blipFill>
-          <a:blip r:embed="rId2" cstate="print">
+          <a:blip r:embed="rId2">
             <a:extLst>
               <a:ext uri="{28A0092B-C50C-407E-A947-70E740481C1C}">
                 <a14:useLocalDpi xmlns:a14="http://schemas.microsoft.com/office/drawing/2010/main" val="0"/>
               </a:ext>
             </a:extLst>
           </a:blip>
-          <a:srcRect/>
           <a:stretch>
             <a:fillRect/>
           </a:stretch>
         </p:blipFill>
-        <p:spPr bwMode="auto">
+        <p:spPr>
           <a:xfrm>
-            <a:off x="184558" y="841552"/>
-            <a:ext cx="11769754" cy="5717867"/>
+            <a:off x="0" y="841552"/>
+            <a:ext cx="12192000" cy="5279329"/>
           </a:xfrm>
           <a:prstGeom prst="rect">
             <a:avLst/>
           </a:prstGeom>
-          <a:noFill/>
-          <a:ln>
-            <a:noFill/>
-          </a:ln>
         </p:spPr>
       </p:pic>
     </p:spTree>
     <p:extLst>
       <p:ext uri="{BB962C8B-B14F-4D97-AF65-F5344CB8AC3E}">
         <p14:creationId xmlns:p14="http://schemas.microsoft.com/office/powerpoint/2010/main" val="3505602354"/>
+      </p:ext>
+    </p:extLst>
+  </p:cSld>
+  <p:clrMapOvr>
+    <a:masterClrMapping/>
+  </p:clrMapOvr>
+</p:sld>
+</file>
+
+<file path=ppt/slides/slide2.xml><?xml version="1.0" encoding="utf-8"?>
+<p:sld xmlns:a="http://schemas.openxmlformats.org/drawingml/2006/main" xmlns:r="http://schemas.openxmlformats.org/officeDocument/2006/relationships" xmlns:p="http://schemas.openxmlformats.org/presentationml/2006/main">
+  <p:cSld>
+    <p:spTree>
+      <p:nvGrpSpPr>
+        <p:cNvPr id="1" name=""/>
+        <p:cNvGrpSpPr/>
+        <p:nvPr/>
+      </p:nvGrpSpPr>
+      <p:grpSpPr>
+        <a:xfrm>
+          <a:off x="0" y="0"/>
+          <a:ext cx="0" cy="0"/>
+          <a:chOff x="0" y="0"/>
+          <a:chExt cx="0" cy="0"/>
+        </a:xfrm>
+      </p:grpSpPr>
+      <p:sp>
+        <p:nvSpPr>
+          <p:cNvPr id="2" name="Título 1">
+            <a:extLst>
+              <a:ext uri="{FF2B5EF4-FFF2-40B4-BE49-F238E27FC236}">
+                <a16:creationId xmlns:a16="http://schemas.microsoft.com/office/drawing/2014/main" id="{9901FE6F-9554-4E76-AD76-B4FDA36C8445}"/>
+              </a:ext>
+            </a:extLst>
+          </p:cNvPr>
+          <p:cNvSpPr>
+            <a:spLocks noGrp="1"/>
+          </p:cNvSpPr>
+          <p:nvPr>
+            <p:ph type="ctrTitle"/>
+          </p:nvPr>
+        </p:nvSpPr>
+        <p:spPr>
+          <a:xfrm>
+            <a:off x="880844" y="67112"/>
+            <a:ext cx="9810269" cy="774441"/>
+          </a:xfrm>
+        </p:spPr>
+        <p:txBody>
+          <a:bodyPr>
+            <a:normAutofit fontScale="90000"/>
+          </a:bodyPr>
+          <a:lstStyle/>
+          <a:p>
+            <a:r>
+              <a:rPr lang="pt-BR" dirty="0"/>
+              <a:t>Efetuar troca do produto</a:t>
+            </a:r>
+          </a:p>
+        </p:txBody>
+      </p:sp>
+      <p:pic>
+        <p:nvPicPr>
+          <p:cNvPr id="6" name="Imagem 5">
+            <a:extLst>
+              <a:ext uri="{FF2B5EF4-FFF2-40B4-BE49-F238E27FC236}">
+                <a16:creationId xmlns:a16="http://schemas.microsoft.com/office/drawing/2014/main" id="{DFCB4FFB-0703-405A-8691-40D22E04A40E}"/>
+              </a:ext>
+            </a:extLst>
+          </p:cNvPr>
+          <p:cNvPicPr>
+            <a:picLocks noChangeAspect="1"/>
+          </p:cNvPicPr>
+          <p:nvPr/>
+        </p:nvPicPr>
+        <p:blipFill>
+          <a:blip r:embed="rId2"/>
+          <a:stretch>
+            <a:fillRect/>
+          </a:stretch>
+        </p:blipFill>
+        <p:spPr>
+          <a:xfrm>
+            <a:off x="466532" y="755780"/>
+            <a:ext cx="11066105" cy="6102219"/>
+          </a:xfrm>
+          <a:prstGeom prst="rect">
+            <a:avLst/>
+          </a:prstGeom>
+        </p:spPr>
+      </p:pic>
+    </p:spTree>
+    <p:extLst>
+      <p:ext uri="{BB962C8B-B14F-4D97-AF65-F5344CB8AC3E}">
+        <p14:creationId xmlns:p14="http://schemas.microsoft.com/office/powerpoint/2010/main" val="551461813"/>
       </p:ext>
     </p:extLst>
   </p:cSld>

--- a/16. DFD Essencial para cada Capacidade.pptx
+++ b/16. DFD Essencial para cada Capacidade.pptx
@@ -7,6 +7,7 @@
   <p:sldIdLst>
     <p:sldId id="256" r:id="rId2"/>
     <p:sldId id="257" r:id="rId3"/>
+    <p:sldId id="258" r:id="rId4"/>
   </p:sldIdLst>
   <p:sldSz cx="12192000" cy="6858000"/>
   <p:notesSz cx="6858000" cy="9144000"/>
@@ -260,7 +261,7 @@
           <a:p>
             <a:fld id="{A42A586F-D8BC-4F8B-A1D6-B3C9704295FC}" type="datetimeFigureOut">
               <a:rPr lang="pt-BR" smtClean="0"/>
-              <a:t>22/10/2020</a:t>
+              <a:t>12/11/2020</a:t>
             </a:fld>
             <a:endParaRPr lang="pt-BR"/>
           </a:p>
@@ -458,7 +459,7 @@
           <a:p>
             <a:fld id="{A42A586F-D8BC-4F8B-A1D6-B3C9704295FC}" type="datetimeFigureOut">
               <a:rPr lang="pt-BR" smtClean="0"/>
-              <a:t>22/10/2020</a:t>
+              <a:t>12/11/2020</a:t>
             </a:fld>
             <a:endParaRPr lang="pt-BR"/>
           </a:p>
@@ -666,7 +667,7 @@
           <a:p>
             <a:fld id="{A42A586F-D8BC-4F8B-A1D6-B3C9704295FC}" type="datetimeFigureOut">
               <a:rPr lang="pt-BR" smtClean="0"/>
-              <a:t>22/10/2020</a:t>
+              <a:t>12/11/2020</a:t>
             </a:fld>
             <a:endParaRPr lang="pt-BR"/>
           </a:p>
@@ -864,7 +865,7 @@
           <a:p>
             <a:fld id="{A42A586F-D8BC-4F8B-A1D6-B3C9704295FC}" type="datetimeFigureOut">
               <a:rPr lang="pt-BR" smtClean="0"/>
-              <a:t>22/10/2020</a:t>
+              <a:t>12/11/2020</a:t>
             </a:fld>
             <a:endParaRPr lang="pt-BR"/>
           </a:p>
@@ -1139,7 +1140,7 @@
           <a:p>
             <a:fld id="{A42A586F-D8BC-4F8B-A1D6-B3C9704295FC}" type="datetimeFigureOut">
               <a:rPr lang="pt-BR" smtClean="0"/>
-              <a:t>22/10/2020</a:t>
+              <a:t>12/11/2020</a:t>
             </a:fld>
             <a:endParaRPr lang="pt-BR"/>
           </a:p>
@@ -1404,7 +1405,7 @@
           <a:p>
             <a:fld id="{A42A586F-D8BC-4F8B-A1D6-B3C9704295FC}" type="datetimeFigureOut">
               <a:rPr lang="pt-BR" smtClean="0"/>
-              <a:t>22/10/2020</a:t>
+              <a:t>12/11/2020</a:t>
             </a:fld>
             <a:endParaRPr lang="pt-BR"/>
           </a:p>
@@ -1816,7 +1817,7 @@
           <a:p>
             <a:fld id="{A42A586F-D8BC-4F8B-A1D6-B3C9704295FC}" type="datetimeFigureOut">
               <a:rPr lang="pt-BR" smtClean="0"/>
-              <a:t>22/10/2020</a:t>
+              <a:t>12/11/2020</a:t>
             </a:fld>
             <a:endParaRPr lang="pt-BR"/>
           </a:p>
@@ -1957,7 +1958,7 @@
           <a:p>
             <a:fld id="{A42A586F-D8BC-4F8B-A1D6-B3C9704295FC}" type="datetimeFigureOut">
               <a:rPr lang="pt-BR" smtClean="0"/>
-              <a:t>22/10/2020</a:t>
+              <a:t>12/11/2020</a:t>
             </a:fld>
             <a:endParaRPr lang="pt-BR"/>
           </a:p>
@@ -2070,7 +2071,7 @@
           <a:p>
             <a:fld id="{A42A586F-D8BC-4F8B-A1D6-B3C9704295FC}" type="datetimeFigureOut">
               <a:rPr lang="pt-BR" smtClean="0"/>
-              <a:t>22/10/2020</a:t>
+              <a:t>12/11/2020</a:t>
             </a:fld>
             <a:endParaRPr lang="pt-BR"/>
           </a:p>
@@ -2381,7 +2382,7 @@
           <a:p>
             <a:fld id="{A42A586F-D8BC-4F8B-A1D6-B3C9704295FC}" type="datetimeFigureOut">
               <a:rPr lang="pt-BR" smtClean="0"/>
-              <a:t>22/10/2020</a:t>
+              <a:t>12/11/2020</a:t>
             </a:fld>
             <a:endParaRPr lang="pt-BR"/>
           </a:p>
@@ -2669,7 +2670,7 @@
           <a:p>
             <a:fld id="{A42A586F-D8BC-4F8B-A1D6-B3C9704295FC}" type="datetimeFigureOut">
               <a:rPr lang="pt-BR" smtClean="0"/>
-              <a:t>22/10/2020</a:t>
+              <a:t>12/11/2020</a:t>
             </a:fld>
             <a:endParaRPr lang="pt-BR"/>
           </a:p>
@@ -2910,7 +2911,7 @@
           <a:p>
             <a:fld id="{A42A586F-D8BC-4F8B-A1D6-B3C9704295FC}" type="datetimeFigureOut">
               <a:rPr lang="pt-BR" smtClean="0"/>
-              <a:t>22/10/2020</a:t>
+              <a:t>12/11/2020</a:t>
             </a:fld>
             <a:endParaRPr lang="pt-BR"/>
           </a:p>
@@ -3356,8 +3357,8 @@
           <a:lstStyle/>
           <a:p>
             <a:r>
-              <a:rPr lang="pt-BR" dirty="0"/>
-              <a:t>Efetuar a venda de um produto</a:t>
+              <a:rPr lang="pt-BR" b="1" dirty="0"/>
+              <a:t>Efetuar a venda do produto</a:t>
             </a:r>
           </a:p>
         </p:txBody>
@@ -3457,7 +3458,7 @@
           <a:lstStyle/>
           <a:p>
             <a:r>
-              <a:rPr lang="pt-BR" dirty="0"/>
+              <a:rPr lang="pt-BR" b="1" dirty="0"/>
               <a:t>Efetuar troca do produto</a:t>
             </a:r>
           </a:p>
@@ -3465,10 +3466,10 @@
       </p:sp>
       <p:pic>
         <p:nvPicPr>
-          <p:cNvPr id="6" name="Imagem 5">
-            <a:extLst>
-              <a:ext uri="{FF2B5EF4-FFF2-40B4-BE49-F238E27FC236}">
-                <a16:creationId xmlns:a16="http://schemas.microsoft.com/office/drawing/2014/main" id="{DFCB4FFB-0703-405A-8691-40D22E04A40E}"/>
+          <p:cNvPr id="3" name="Imagem 2">
+            <a:extLst>
+              <a:ext uri="{FF2B5EF4-FFF2-40B4-BE49-F238E27FC236}">
+                <a16:creationId xmlns:a16="http://schemas.microsoft.com/office/drawing/2014/main" id="{927743CE-0D98-4304-BB89-B7C8F6B082E6}"/>
               </a:ext>
             </a:extLst>
           </p:cNvPr>
@@ -3485,8 +3486,8 @@
         </p:blipFill>
         <p:spPr>
           <a:xfrm>
-            <a:off x="466532" y="755780"/>
-            <a:ext cx="11066105" cy="6102219"/>
+            <a:off x="544471" y="738917"/>
+            <a:ext cx="11103058" cy="5949335"/>
           </a:xfrm>
           <a:prstGeom prst="rect">
             <a:avLst/>
@@ -3497,6 +3498,101 @@
     <p:extLst>
       <p:ext uri="{BB962C8B-B14F-4D97-AF65-F5344CB8AC3E}">
         <p14:creationId xmlns:p14="http://schemas.microsoft.com/office/powerpoint/2010/main" val="551461813"/>
+      </p:ext>
+    </p:extLst>
+  </p:cSld>
+  <p:clrMapOvr>
+    <a:masterClrMapping/>
+  </p:clrMapOvr>
+</p:sld>
+</file>
+
+<file path=ppt/slides/slide3.xml><?xml version="1.0" encoding="utf-8"?>
+<p:sld xmlns:a="http://schemas.openxmlformats.org/drawingml/2006/main" xmlns:r="http://schemas.openxmlformats.org/officeDocument/2006/relationships" xmlns:p="http://schemas.openxmlformats.org/presentationml/2006/main">
+  <p:cSld>
+    <p:spTree>
+      <p:nvGrpSpPr>
+        <p:cNvPr id="1" name=""/>
+        <p:cNvGrpSpPr/>
+        <p:nvPr/>
+      </p:nvGrpSpPr>
+      <p:grpSpPr>
+        <a:xfrm>
+          <a:off x="0" y="0"/>
+          <a:ext cx="0" cy="0"/>
+          <a:chOff x="0" y="0"/>
+          <a:chExt cx="0" cy="0"/>
+        </a:xfrm>
+      </p:grpSpPr>
+      <p:sp>
+        <p:nvSpPr>
+          <p:cNvPr id="2" name="Título 1">
+            <a:extLst>
+              <a:ext uri="{FF2B5EF4-FFF2-40B4-BE49-F238E27FC236}">
+                <a16:creationId xmlns:a16="http://schemas.microsoft.com/office/drawing/2014/main" id="{9901FE6F-9554-4E76-AD76-B4FDA36C8445}"/>
+              </a:ext>
+            </a:extLst>
+          </p:cNvPr>
+          <p:cNvSpPr>
+            <a:spLocks noGrp="1"/>
+          </p:cNvSpPr>
+          <p:nvPr>
+            <p:ph type="ctrTitle"/>
+          </p:nvPr>
+        </p:nvSpPr>
+        <p:spPr>
+          <a:xfrm>
+            <a:off x="880844" y="67112"/>
+            <a:ext cx="9810269" cy="774441"/>
+          </a:xfrm>
+        </p:spPr>
+        <p:txBody>
+          <a:bodyPr>
+            <a:normAutofit fontScale="90000"/>
+          </a:bodyPr>
+          <a:lstStyle/>
+          <a:p>
+            <a:r>
+              <a:rPr lang="pt-BR" b="1" dirty="0"/>
+              <a:t>Cancelar compra do produto</a:t>
+            </a:r>
+          </a:p>
+        </p:txBody>
+      </p:sp>
+      <p:pic>
+        <p:nvPicPr>
+          <p:cNvPr id="3" name="Imagem 2">
+            <a:extLst>
+              <a:ext uri="{FF2B5EF4-FFF2-40B4-BE49-F238E27FC236}">
+                <a16:creationId xmlns:a16="http://schemas.microsoft.com/office/drawing/2014/main" id="{FB114C34-6AF8-423E-A7F9-98D7F92BAF5B}"/>
+              </a:ext>
+            </a:extLst>
+          </p:cNvPr>
+          <p:cNvPicPr>
+            <a:picLocks noChangeAspect="1"/>
+          </p:cNvPicPr>
+          <p:nvPr/>
+        </p:nvPicPr>
+        <p:blipFill>
+          <a:blip r:embed="rId2"/>
+          <a:stretch>
+            <a:fillRect/>
+          </a:stretch>
+        </p:blipFill>
+        <p:spPr>
+          <a:xfrm>
+            <a:off x="0" y="796741"/>
+            <a:ext cx="12192000" cy="5264518"/>
+          </a:xfrm>
+          <a:prstGeom prst="rect">
+            <a:avLst/>
+          </a:prstGeom>
+        </p:spPr>
+      </p:pic>
+    </p:spTree>
+    <p:extLst>
+      <p:ext uri="{BB962C8B-B14F-4D97-AF65-F5344CB8AC3E}">
+        <p14:creationId xmlns:p14="http://schemas.microsoft.com/office/powerpoint/2010/main" val="3789720099"/>
       </p:ext>
     </p:extLst>
   </p:cSld>
